--- a/Content/SailPoint.pptx
+++ b/Content/SailPoint.pptx
@@ -8,7 +8,6 @@
     <p:sldId id="256" r:id="rId2"/>
     <p:sldId id="257" r:id="rId3"/>
     <p:sldId id="258" r:id="rId4"/>
-    <p:sldId id="259" r:id="rId5"/>
   </p:sldIdLst>
   <p:sldSz cx="9144000" cy="6858000" type="screen4x3"/>
   <p:notesSz cx="6858000" cy="9144000"/>
@@ -246,7 +245,7 @@
           <a:p>
             <a:fld id="{3EEEDBDD-8160-4D71-9E27-B333DAF46F3C}" type="datetimeFigureOut">
               <a:rPr lang="en-IN" smtClean="0"/>
-              <a:t>04-10-2022</a:t>
+              <a:t>05-10-2022</a:t>
             </a:fld>
             <a:endParaRPr lang="en-IN"/>
           </a:p>
@@ -416,7 +415,7 @@
           <a:p>
             <a:fld id="{3EEEDBDD-8160-4D71-9E27-B333DAF46F3C}" type="datetimeFigureOut">
               <a:rPr lang="en-IN" smtClean="0"/>
-              <a:t>04-10-2022</a:t>
+              <a:t>05-10-2022</a:t>
             </a:fld>
             <a:endParaRPr lang="en-IN"/>
           </a:p>
@@ -596,7 +595,7 @@
           <a:p>
             <a:fld id="{3EEEDBDD-8160-4D71-9E27-B333DAF46F3C}" type="datetimeFigureOut">
               <a:rPr lang="en-IN" smtClean="0"/>
-              <a:t>04-10-2022</a:t>
+              <a:t>05-10-2022</a:t>
             </a:fld>
             <a:endParaRPr lang="en-IN"/>
           </a:p>
@@ -766,7 +765,7 @@
           <a:p>
             <a:fld id="{3EEEDBDD-8160-4D71-9E27-B333DAF46F3C}" type="datetimeFigureOut">
               <a:rPr lang="en-IN" smtClean="0"/>
-              <a:t>04-10-2022</a:t>
+              <a:t>05-10-2022</a:t>
             </a:fld>
             <a:endParaRPr lang="en-IN"/>
           </a:p>
@@ -1010,7 +1009,7 @@
           <a:p>
             <a:fld id="{3EEEDBDD-8160-4D71-9E27-B333DAF46F3C}" type="datetimeFigureOut">
               <a:rPr lang="en-IN" smtClean="0"/>
-              <a:t>04-10-2022</a:t>
+              <a:t>05-10-2022</a:t>
             </a:fld>
             <a:endParaRPr lang="en-IN"/>
           </a:p>
@@ -1242,7 +1241,7 @@
           <a:p>
             <a:fld id="{3EEEDBDD-8160-4D71-9E27-B333DAF46F3C}" type="datetimeFigureOut">
               <a:rPr lang="en-IN" smtClean="0"/>
-              <a:t>04-10-2022</a:t>
+              <a:t>05-10-2022</a:t>
             </a:fld>
             <a:endParaRPr lang="en-IN"/>
           </a:p>
@@ -1609,7 +1608,7 @@
           <a:p>
             <a:fld id="{3EEEDBDD-8160-4D71-9E27-B333DAF46F3C}" type="datetimeFigureOut">
               <a:rPr lang="en-IN" smtClean="0"/>
-              <a:t>04-10-2022</a:t>
+              <a:t>05-10-2022</a:t>
             </a:fld>
             <a:endParaRPr lang="en-IN"/>
           </a:p>
@@ -1727,7 +1726,7 @@
           <a:p>
             <a:fld id="{3EEEDBDD-8160-4D71-9E27-B333DAF46F3C}" type="datetimeFigureOut">
               <a:rPr lang="en-IN" smtClean="0"/>
-              <a:t>04-10-2022</a:t>
+              <a:t>05-10-2022</a:t>
             </a:fld>
             <a:endParaRPr lang="en-IN"/>
           </a:p>
@@ -1822,7 +1821,7 @@
           <a:p>
             <a:fld id="{3EEEDBDD-8160-4D71-9E27-B333DAF46F3C}" type="datetimeFigureOut">
               <a:rPr lang="en-IN" smtClean="0"/>
-              <a:t>04-10-2022</a:t>
+              <a:t>05-10-2022</a:t>
             </a:fld>
             <a:endParaRPr lang="en-IN"/>
           </a:p>
@@ -2099,7 +2098,7 @@
           <a:p>
             <a:fld id="{3EEEDBDD-8160-4D71-9E27-B333DAF46F3C}" type="datetimeFigureOut">
               <a:rPr lang="en-IN" smtClean="0"/>
-              <a:t>04-10-2022</a:t>
+              <a:t>05-10-2022</a:t>
             </a:fld>
             <a:endParaRPr lang="en-IN"/>
           </a:p>
@@ -2356,7 +2355,7 @@
           <a:p>
             <a:fld id="{3EEEDBDD-8160-4D71-9E27-B333DAF46F3C}" type="datetimeFigureOut">
               <a:rPr lang="en-IN" smtClean="0"/>
-              <a:t>04-10-2022</a:t>
+              <a:t>05-10-2022</a:t>
             </a:fld>
             <a:endParaRPr lang="en-IN"/>
           </a:p>
@@ -2569,7 +2568,7 @@
           <a:p>
             <a:fld id="{3EEEDBDD-8160-4D71-9E27-B333DAF46F3C}" type="datetimeFigureOut">
               <a:rPr lang="en-IN" smtClean="0"/>
-              <a:t>04-10-2022</a:t>
+              <a:t>05-10-2022</a:t>
             </a:fld>
             <a:endParaRPr lang="en-IN"/>
           </a:p>
@@ -4672,1007 +4671,6 @@
 </p:sld>
 </file>
 
-<file path=ppt/slides/slide4.xml><?xml version="1.0" encoding="utf-8"?>
-<p:sld xmlns:a="http://schemas.openxmlformats.org/drawingml/2006/main" xmlns:r="http://schemas.openxmlformats.org/officeDocument/2006/relationships" xmlns:p="http://schemas.openxmlformats.org/presentationml/2006/main">
-  <p:cSld>
-    <p:bg>
-      <p:bgPr>
-        <a:solidFill>
-          <a:schemeClr val="bg1"/>
-        </a:solidFill>
-        <a:effectLst/>
-      </p:bgPr>
-    </p:bg>
-    <p:spTree>
-      <p:nvGrpSpPr>
-        <p:cNvPr id="1" name=""/>
-        <p:cNvGrpSpPr/>
-        <p:nvPr/>
-      </p:nvGrpSpPr>
-      <p:grpSpPr>
-        <a:xfrm>
-          <a:off x="0" y="0"/>
-          <a:ext cx="0" cy="0"/>
-          <a:chOff x="0" y="0"/>
-          <a:chExt cx="0" cy="0"/>
-        </a:xfrm>
-      </p:grpSpPr>
-      <p:sp>
-        <p:nvSpPr>
-          <p:cNvPr id="27" name="Rectangle 26">
-            <a:extLst>
-              <a:ext uri="{FF2B5EF4-FFF2-40B4-BE49-F238E27FC236}">
-                <a16:creationId xmlns:a16="http://schemas.microsoft.com/office/drawing/2014/main" id="{F3060C83-F051-4F0E-ABAD-AA0DFC48B218}"/>
-              </a:ext>
-              <a:ext uri="{C183D7F6-B498-43B3-948B-1728B52AA6E4}">
-                <adec:decorative xmlns:adec="http://schemas.microsoft.com/office/drawing/2017/decorative" val="1"/>
-              </a:ext>
-            </a:extLst>
-          </p:cNvPr>
-          <p:cNvSpPr>
-            <a:spLocks noGrp="1" noRot="1" noChangeAspect="1" noMove="1" noResize="1" noEditPoints="1" noAdjustHandles="1" noChangeArrowheads="1" noChangeShapeType="1" noTextEdit="1"/>
-          </p:cNvSpPr>
-          <p:nvPr>
-            <p:extLst>
-              <p:ext uri="{386F3935-93C4-4BCD-93E2-E3B085C9AB24}">
-                <p16:designElem xmlns:p16="http://schemas.microsoft.com/office/powerpoint/2015/main" val="1"/>
-              </p:ext>
-            </p:extLst>
-          </p:nvPr>
-        </p:nvSpPr>
-        <p:spPr>
-          <a:xfrm>
-            <a:off x="0" y="0"/>
-            <a:ext cx="9144000" cy="6858000"/>
-          </a:xfrm>
-          <a:prstGeom prst="rect">
-            <a:avLst/>
-          </a:prstGeom>
-          <a:solidFill>
-            <a:schemeClr val="bg1"/>
-          </a:solidFill>
-          <a:ln>
-            <a:noFill/>
-          </a:ln>
-        </p:spPr>
-        <p:style>
-          <a:lnRef idx="2">
-            <a:schemeClr val="accent1">
-              <a:shade val="50000"/>
-            </a:schemeClr>
-          </a:lnRef>
-          <a:fillRef idx="1">
-            <a:schemeClr val="accent1"/>
-          </a:fillRef>
-          <a:effectRef idx="0">
-            <a:schemeClr val="accent1"/>
-          </a:effectRef>
-          <a:fontRef idx="minor">
-            <a:schemeClr val="lt1"/>
-          </a:fontRef>
-        </p:style>
-        <p:txBody>
-          <a:bodyPr rtlCol="0" anchor="ctr"/>
-          <a:lstStyle/>
-          <a:p>
-            <a:pPr algn="ctr"/>
-            <a:endParaRPr lang="en-US" dirty="0"/>
-          </a:p>
-        </p:txBody>
-      </p:sp>
-      <p:sp>
-        <p:nvSpPr>
-          <p:cNvPr id="29" name="Freeform: Shape 28">
-            <a:extLst>
-              <a:ext uri="{FF2B5EF4-FFF2-40B4-BE49-F238E27FC236}">
-                <a16:creationId xmlns:a16="http://schemas.microsoft.com/office/drawing/2014/main" id="{83C98ABE-055B-441F-B07E-44F97F083C39}"/>
-              </a:ext>
-              <a:ext uri="{C183D7F6-B498-43B3-948B-1728B52AA6E4}">
-                <adec:decorative xmlns:adec="http://schemas.microsoft.com/office/drawing/2017/decorative" val="1"/>
-              </a:ext>
-            </a:extLst>
-          </p:cNvPr>
-          <p:cNvSpPr>
-            <a:spLocks noGrp="1" noRot="1" noChangeAspect="1" noMove="1" noResize="1" noEditPoints="1" noAdjustHandles="1" noChangeArrowheads="1" noChangeShapeType="1" noTextEdit="1"/>
-          </p:cNvSpPr>
-          <p:nvPr>
-            <p:extLst>
-              <p:ext uri="{386F3935-93C4-4BCD-93E2-E3B085C9AB24}">
-                <p16:designElem xmlns:p16="http://schemas.microsoft.com/office/powerpoint/2015/main" val="1"/>
-              </p:ext>
-            </p:extLst>
-          </p:nvPr>
-        </p:nvSpPr>
-        <p:spPr>
-          <a:xfrm rot="18900000" flipH="1">
-            <a:off x="-282117" y="-253670"/>
-            <a:ext cx="1370728" cy="1376989"/>
-          </a:xfrm>
-          <a:custGeom>
-            <a:avLst/>
-            <a:gdLst>
-              <a:gd name="connsiteX0" fmla="*/ 0 w 1827638"/>
-              <a:gd name="connsiteY0" fmla="*/ 987379 h 1376989"/>
-              <a:gd name="connsiteX1" fmla="*/ 987379 w 1827638"/>
-              <a:gd name="connsiteY1" fmla="*/ 0 h 1376989"/>
-              <a:gd name="connsiteX2" fmla="*/ 1827638 w 1827638"/>
-              <a:gd name="connsiteY2" fmla="*/ 840260 h 1376989"/>
-              <a:gd name="connsiteX3" fmla="*/ 1827638 w 1827638"/>
-              <a:gd name="connsiteY3" fmla="*/ 1376989 h 1376989"/>
-              <a:gd name="connsiteX4" fmla="*/ 0 w 1827638"/>
-              <a:gd name="connsiteY4" fmla="*/ 1376989 h 1376989"/>
-            </a:gdLst>
-            <a:ahLst/>
-            <a:cxnLst>
-              <a:cxn ang="0">
-                <a:pos x="connsiteX0" y="connsiteY0"/>
-              </a:cxn>
-              <a:cxn ang="0">
-                <a:pos x="connsiteX1" y="connsiteY1"/>
-              </a:cxn>
-              <a:cxn ang="0">
-                <a:pos x="connsiteX2" y="connsiteY2"/>
-              </a:cxn>
-              <a:cxn ang="0">
-                <a:pos x="connsiteX3" y="connsiteY3"/>
-              </a:cxn>
-              <a:cxn ang="0">
-                <a:pos x="connsiteX4" y="connsiteY4"/>
-              </a:cxn>
-            </a:cxnLst>
-            <a:rect l="l" t="t" r="r" b="b"/>
-            <a:pathLst>
-              <a:path w="1827638" h="1376989">
-                <a:moveTo>
-                  <a:pt x="0" y="987379"/>
-                </a:moveTo>
-                <a:lnTo>
-                  <a:pt x="987379" y="0"/>
-                </a:lnTo>
-                <a:lnTo>
-                  <a:pt x="1827638" y="840260"/>
-                </a:lnTo>
-                <a:lnTo>
-                  <a:pt x="1827638" y="1376989"/>
-                </a:lnTo>
-                <a:lnTo>
-                  <a:pt x="0" y="1376989"/>
-                </a:lnTo>
-                <a:close/>
-              </a:path>
-            </a:pathLst>
-          </a:custGeom>
-          <a:solidFill>
-            <a:schemeClr val="accent1">
-              <a:alpha val="30000"/>
-            </a:schemeClr>
-          </a:solidFill>
-          <a:ln>
-            <a:noFill/>
-          </a:ln>
-        </p:spPr>
-        <p:style>
-          <a:lnRef idx="2">
-            <a:schemeClr val="accent1">
-              <a:shade val="50000"/>
-            </a:schemeClr>
-          </a:lnRef>
-          <a:fillRef idx="1">
-            <a:schemeClr val="accent1"/>
-          </a:fillRef>
-          <a:effectRef idx="0">
-            <a:schemeClr val="accent1"/>
-          </a:effectRef>
-          <a:fontRef idx="minor">
-            <a:schemeClr val="lt1"/>
-          </a:fontRef>
-        </p:style>
-        <p:txBody>
-          <a:bodyPr rtlCol="0" anchor="ctr"/>
-          <a:lstStyle/>
-          <a:p>
-            <a:pPr algn="ctr"/>
-            <a:endParaRPr lang="en-US" dirty="0"/>
-          </a:p>
-        </p:txBody>
-      </p:sp>
-      <p:sp>
-        <p:nvSpPr>
-          <p:cNvPr id="31" name="Rectangle 30">
-            <a:extLst>
-              <a:ext uri="{FF2B5EF4-FFF2-40B4-BE49-F238E27FC236}">
-                <a16:creationId xmlns:a16="http://schemas.microsoft.com/office/drawing/2014/main" id="{29FDB030-9B49-4CED-8CCD-4D99382388AC}"/>
-              </a:ext>
-              <a:ext uri="{C183D7F6-B498-43B3-948B-1728B52AA6E4}">
-                <adec:decorative xmlns:adec="http://schemas.microsoft.com/office/drawing/2017/decorative" val="1"/>
-              </a:ext>
-            </a:extLst>
-          </p:cNvPr>
-          <p:cNvSpPr>
-            <a:spLocks noGrp="1" noRot="1" noChangeAspect="1" noMove="1" noResize="1" noEditPoints="1" noAdjustHandles="1" noChangeArrowheads="1" noChangeShapeType="1" noTextEdit="1"/>
-          </p:cNvSpPr>
-          <p:nvPr>
-            <p:extLst>
-              <p:ext uri="{386F3935-93C4-4BCD-93E2-E3B085C9AB24}">
-                <p16:designElem xmlns:p16="http://schemas.microsoft.com/office/powerpoint/2015/main" val="1"/>
-              </p:ext>
-            </p:extLst>
-          </p:nvPr>
-        </p:nvSpPr>
-        <p:spPr>
-          <a:xfrm rot="18900000" flipH="1">
-            <a:off x="668730" y="422146"/>
-            <a:ext cx="484026" cy="645368"/>
-          </a:xfrm>
-          <a:prstGeom prst="rect">
-            <a:avLst/>
-          </a:prstGeom>
-          <a:solidFill>
-            <a:schemeClr val="accent1">
-              <a:alpha val="30000"/>
-            </a:schemeClr>
-          </a:solidFill>
-          <a:ln>
-            <a:noFill/>
-          </a:ln>
-        </p:spPr>
-        <p:style>
-          <a:lnRef idx="2">
-            <a:schemeClr val="accent1">
-              <a:shade val="50000"/>
-            </a:schemeClr>
-          </a:lnRef>
-          <a:fillRef idx="1">
-            <a:schemeClr val="accent1"/>
-          </a:fillRef>
-          <a:effectRef idx="0">
-            <a:schemeClr val="accent1"/>
-          </a:effectRef>
-          <a:fontRef idx="minor">
-            <a:schemeClr val="lt1"/>
-          </a:fontRef>
-        </p:style>
-        <p:txBody>
-          <a:bodyPr rtlCol="0" anchor="ctr"/>
-          <a:lstStyle/>
-          <a:p>
-            <a:pPr algn="ctr"/>
-            <a:endParaRPr lang="en-US"/>
-          </a:p>
-        </p:txBody>
-      </p:sp>
-      <p:sp>
-        <p:nvSpPr>
-          <p:cNvPr id="33" name="Rectangle 32">
-            <a:extLst>
-              <a:ext uri="{FF2B5EF4-FFF2-40B4-BE49-F238E27FC236}">
-                <a16:creationId xmlns:a16="http://schemas.microsoft.com/office/drawing/2014/main" id="{3783CA14-24A1-485C-8B30-D6A5D87987AD}"/>
-              </a:ext>
-              <a:ext uri="{C183D7F6-B498-43B3-948B-1728B52AA6E4}">
-                <adec:decorative xmlns:adec="http://schemas.microsoft.com/office/drawing/2017/decorative" val="1"/>
-              </a:ext>
-            </a:extLst>
-          </p:cNvPr>
-          <p:cNvSpPr>
-            <a:spLocks noGrp="1" noRot="1" noChangeAspect="1" noMove="1" noResize="1" noEditPoints="1" noAdjustHandles="1" noChangeArrowheads="1" noChangeShapeType="1" noTextEdit="1"/>
-          </p:cNvSpPr>
-          <p:nvPr>
-            <p:extLst>
-              <p:ext uri="{386F3935-93C4-4BCD-93E2-E3B085C9AB24}">
-                <p16:designElem xmlns:p16="http://schemas.microsoft.com/office/powerpoint/2015/main" val="1"/>
-              </p:ext>
-            </p:extLst>
-          </p:nvPr>
-        </p:nvSpPr>
-        <p:spPr>
-          <a:xfrm rot="18900000" flipH="1">
-            <a:off x="7532611" y="655140"/>
-            <a:ext cx="515604" cy="687472"/>
-          </a:xfrm>
-          <a:prstGeom prst="rect">
-            <a:avLst/>
-          </a:prstGeom>
-          <a:solidFill>
-            <a:schemeClr val="accent4">
-              <a:alpha val="30000"/>
-            </a:schemeClr>
-          </a:solidFill>
-          <a:ln>
-            <a:noFill/>
-          </a:ln>
-        </p:spPr>
-        <p:style>
-          <a:lnRef idx="2">
-            <a:schemeClr val="accent1">
-              <a:shade val="50000"/>
-            </a:schemeClr>
-          </a:lnRef>
-          <a:fillRef idx="1">
-            <a:schemeClr val="accent1"/>
-          </a:fillRef>
-          <a:effectRef idx="0">
-            <a:schemeClr val="accent1"/>
-          </a:effectRef>
-          <a:fontRef idx="minor">
-            <a:schemeClr val="lt1"/>
-          </a:fontRef>
-        </p:style>
-        <p:txBody>
-          <a:bodyPr rtlCol="0" anchor="ctr"/>
-          <a:lstStyle/>
-          <a:p>
-            <a:pPr algn="ctr"/>
-            <a:endParaRPr lang="en-US"/>
-          </a:p>
-        </p:txBody>
-      </p:sp>
-      <p:sp>
-        <p:nvSpPr>
-          <p:cNvPr id="35" name="Freeform: Shape 34">
-            <a:extLst>
-              <a:ext uri="{FF2B5EF4-FFF2-40B4-BE49-F238E27FC236}">
-                <a16:creationId xmlns:a16="http://schemas.microsoft.com/office/drawing/2014/main" id="{9A97C86A-04D6-40F7-AE84-31AB43E6A846}"/>
-              </a:ext>
-              <a:ext uri="{C183D7F6-B498-43B3-948B-1728B52AA6E4}">
-                <adec:decorative xmlns:adec="http://schemas.microsoft.com/office/drawing/2017/decorative" val="1"/>
-              </a:ext>
-            </a:extLst>
-          </p:cNvPr>
-          <p:cNvSpPr>
-            <a:spLocks noGrp="1" noRot="1" noChangeAspect="1" noMove="1" noResize="1" noEditPoints="1" noAdjustHandles="1" noChangeArrowheads="1" noChangeShapeType="1" noTextEdit="1"/>
-          </p:cNvSpPr>
-          <p:nvPr>
-            <p:extLst>
-              <p:ext uri="{386F3935-93C4-4BCD-93E2-E3B085C9AB24}">
-                <p16:designElem xmlns:p16="http://schemas.microsoft.com/office/powerpoint/2015/main" val="1"/>
-              </p:ext>
-            </p:extLst>
-          </p:nvPr>
-        </p:nvSpPr>
-        <p:spPr>
-          <a:xfrm rot="10800000" flipH="1">
-            <a:off x="7017482" y="0"/>
-            <a:ext cx="2126518" cy="1480837"/>
-          </a:xfrm>
-          <a:custGeom>
-            <a:avLst/>
-            <a:gdLst>
-              <a:gd name="connsiteX0" fmla="*/ 2835357 w 2835357"/>
-              <a:gd name="connsiteY0" fmla="*/ 1480837 h 1480837"/>
-              <a:gd name="connsiteX1" fmla="*/ 0 w 2835357"/>
-              <a:gd name="connsiteY1" fmla="*/ 1480837 h 1480837"/>
-              <a:gd name="connsiteX2" fmla="*/ 1552727 w 2835357"/>
-              <a:gd name="connsiteY2" fmla="*/ 0 h 1480837"/>
-              <a:gd name="connsiteX3" fmla="*/ 2835357 w 2835357"/>
-              <a:gd name="connsiteY3" fmla="*/ 1223245 h 1480837"/>
-            </a:gdLst>
-            <a:ahLst/>
-            <a:cxnLst>
-              <a:cxn ang="0">
-                <a:pos x="connsiteX0" y="connsiteY0"/>
-              </a:cxn>
-              <a:cxn ang="0">
-                <a:pos x="connsiteX1" y="connsiteY1"/>
-              </a:cxn>
-              <a:cxn ang="0">
-                <a:pos x="connsiteX2" y="connsiteY2"/>
-              </a:cxn>
-              <a:cxn ang="0">
-                <a:pos x="connsiteX3" y="connsiteY3"/>
-              </a:cxn>
-            </a:cxnLst>
-            <a:rect l="l" t="t" r="r" b="b"/>
-            <a:pathLst>
-              <a:path w="2835357" h="1480837">
-                <a:moveTo>
-                  <a:pt x="2835357" y="1480837"/>
-                </a:moveTo>
-                <a:lnTo>
-                  <a:pt x="0" y="1480837"/>
-                </a:lnTo>
-                <a:lnTo>
-                  <a:pt x="1552727" y="0"/>
-                </a:lnTo>
-                <a:lnTo>
-                  <a:pt x="2835357" y="1223245"/>
-                </a:lnTo>
-                <a:close/>
-              </a:path>
-            </a:pathLst>
-          </a:custGeom>
-          <a:solidFill>
-            <a:schemeClr val="accent4">
-              <a:alpha val="30000"/>
-            </a:schemeClr>
-          </a:solidFill>
-          <a:ln>
-            <a:noFill/>
-          </a:ln>
-        </p:spPr>
-        <p:style>
-          <a:lnRef idx="2">
-            <a:schemeClr val="accent1">
-              <a:shade val="50000"/>
-            </a:schemeClr>
-          </a:lnRef>
-          <a:fillRef idx="1">
-            <a:schemeClr val="accent1"/>
-          </a:fillRef>
-          <a:effectRef idx="0">
-            <a:schemeClr val="accent1"/>
-          </a:effectRef>
-          <a:fontRef idx="minor">
-            <a:schemeClr val="lt1"/>
-          </a:fontRef>
-        </p:style>
-        <p:txBody>
-          <a:bodyPr wrap="square" rtlCol="0" anchor="ctr">
-            <a:noAutofit/>
-          </a:bodyPr>
-          <a:lstStyle/>
-          <a:p>
-            <a:pPr algn="ctr"/>
-            <a:endParaRPr lang="en-US" dirty="0"/>
-          </a:p>
-        </p:txBody>
-      </p:sp>
-      <p:sp>
-        <p:nvSpPr>
-          <p:cNvPr id="37" name="Isosceles Triangle 36">
-            <a:extLst>
-              <a:ext uri="{FF2B5EF4-FFF2-40B4-BE49-F238E27FC236}">
-                <a16:creationId xmlns:a16="http://schemas.microsoft.com/office/drawing/2014/main" id="{FF9F2414-84E8-453E-B1F3-389FDE8192D9}"/>
-              </a:ext>
-              <a:ext uri="{C183D7F6-B498-43B3-948B-1728B52AA6E4}">
-                <adec:decorative xmlns:adec="http://schemas.microsoft.com/office/drawing/2017/decorative" val="1"/>
-              </a:ext>
-            </a:extLst>
-          </p:cNvPr>
-          <p:cNvSpPr>
-            <a:spLocks noGrp="1" noRot="1" noChangeAspect="1" noMove="1" noResize="1" noEditPoints="1" noAdjustHandles="1" noChangeArrowheads="1" noChangeShapeType="1" noTextEdit="1"/>
-          </p:cNvSpPr>
-          <p:nvPr>
-            <p:extLst>
-              <p:ext uri="{386F3935-93C4-4BCD-93E2-E3B085C9AB24}">
-                <p16:designElem xmlns:p16="http://schemas.microsoft.com/office/powerpoint/2015/main" val="1"/>
-              </p:ext>
-            </p:extLst>
-          </p:nvPr>
-        </p:nvSpPr>
-        <p:spPr>
-          <a:xfrm flipH="1">
-            <a:off x="5982258" y="6115501"/>
-            <a:ext cx="1120884" cy="742499"/>
-          </a:xfrm>
-          <a:prstGeom prst="triangle">
-            <a:avLst/>
-          </a:prstGeom>
-          <a:solidFill>
-            <a:schemeClr val="accent1">
-              <a:alpha val="30000"/>
-            </a:schemeClr>
-          </a:solidFill>
-          <a:ln>
-            <a:noFill/>
-          </a:ln>
-        </p:spPr>
-        <p:style>
-          <a:lnRef idx="2">
-            <a:schemeClr val="accent1">
-              <a:shade val="50000"/>
-            </a:schemeClr>
-          </a:lnRef>
-          <a:fillRef idx="1">
-            <a:schemeClr val="accent1"/>
-          </a:fillRef>
-          <a:effectRef idx="0">
-            <a:schemeClr val="accent1"/>
-          </a:effectRef>
-          <a:fontRef idx="minor">
-            <a:schemeClr val="lt1"/>
-          </a:fontRef>
-        </p:style>
-        <p:txBody>
-          <a:bodyPr rtlCol="0" anchor="ctr"/>
-          <a:lstStyle/>
-          <a:p>
-            <a:pPr algn="ctr"/>
-            <a:endParaRPr lang="en-US"/>
-          </a:p>
-        </p:txBody>
-      </p:sp>
-      <p:pic>
-        <p:nvPicPr>
-          <p:cNvPr id="5" name="Picture 4" descr="A picture containing diagram&#10;&#10;Description automatically generated">
-            <a:extLst>
-              <a:ext uri="{FF2B5EF4-FFF2-40B4-BE49-F238E27FC236}">
-                <a16:creationId xmlns:a16="http://schemas.microsoft.com/office/drawing/2014/main" id="{3761EB4F-7905-A93D-EE24-3568DA8EEAFB}"/>
-              </a:ext>
-            </a:extLst>
-          </p:cNvPr>
-          <p:cNvPicPr>
-            <a:picLocks noChangeAspect="1"/>
-          </p:cNvPicPr>
-          <p:nvPr/>
-        </p:nvPicPr>
-        <p:blipFill>
-          <a:blip r:embed="rId2">
-            <a:extLst>
-              <a:ext uri="{28A0092B-C50C-407E-A947-70E740481C1C}">
-                <a14:useLocalDpi xmlns:a14="http://schemas.microsoft.com/office/drawing/2010/main" val="0"/>
-              </a:ext>
-            </a:extLst>
-          </a:blip>
-          <a:stretch>
-            <a:fillRect/>
-          </a:stretch>
-        </p:blipFill>
-        <p:spPr>
-          <a:xfrm>
-            <a:off x="3005138" y="643467"/>
-            <a:ext cx="3133723" cy="5571065"/>
-          </a:xfrm>
-          <a:prstGeom prst="rect">
-            <a:avLst/>
-          </a:prstGeom>
-          <a:ln>
-            <a:noFill/>
-          </a:ln>
-        </p:spPr>
-      </p:pic>
-      <p:sp>
-        <p:nvSpPr>
-          <p:cNvPr id="39" name="Isosceles Triangle 38">
-            <a:extLst>
-              <a:ext uri="{FF2B5EF4-FFF2-40B4-BE49-F238E27FC236}">
-                <a16:creationId xmlns:a16="http://schemas.microsoft.com/office/drawing/2014/main" id="{3ECA69A1-7536-43AC-85EF-C7106179F5ED}"/>
-              </a:ext>
-              <a:ext uri="{C183D7F6-B498-43B3-948B-1728B52AA6E4}">
-                <adec:decorative xmlns:adec="http://schemas.microsoft.com/office/drawing/2017/decorative" val="1"/>
-              </a:ext>
-            </a:extLst>
-          </p:cNvPr>
-          <p:cNvSpPr>
-            <a:spLocks noGrp="1" noRot="1" noChangeAspect="1" noMove="1" noResize="1" noEditPoints="1" noAdjustHandles="1" noChangeArrowheads="1" noChangeShapeType="1" noTextEdit="1"/>
-          </p:cNvSpPr>
-          <p:nvPr>
-            <p:extLst>
-              <p:ext uri="{386F3935-93C4-4BCD-93E2-E3B085C9AB24}">
-                <p16:designElem xmlns:p16="http://schemas.microsoft.com/office/powerpoint/2015/main" val="1"/>
-              </p:ext>
-            </p:extLst>
-          </p:nvPr>
-        </p:nvSpPr>
-        <p:spPr>
-          <a:xfrm flipH="1">
-            <a:off x="5703060" y="6453143"/>
-            <a:ext cx="611177" cy="404857"/>
-          </a:xfrm>
-          <a:prstGeom prst="triangle">
-            <a:avLst/>
-          </a:prstGeom>
-          <a:solidFill>
-            <a:schemeClr val="accent1">
-              <a:alpha val="30000"/>
-            </a:schemeClr>
-          </a:solidFill>
-          <a:ln>
-            <a:noFill/>
-          </a:ln>
-        </p:spPr>
-        <p:style>
-          <a:lnRef idx="2">
-            <a:schemeClr val="accent1">
-              <a:shade val="50000"/>
-            </a:schemeClr>
-          </a:lnRef>
-          <a:fillRef idx="1">
-            <a:schemeClr val="accent1"/>
-          </a:fillRef>
-          <a:effectRef idx="0">
-            <a:schemeClr val="accent1"/>
-          </a:effectRef>
-          <a:fontRef idx="minor">
-            <a:schemeClr val="lt1"/>
-          </a:fontRef>
-        </p:style>
-        <p:txBody>
-          <a:bodyPr rtlCol="0" anchor="ctr"/>
-          <a:lstStyle/>
-          <a:p>
-            <a:pPr algn="ctr"/>
-            <a:endParaRPr lang="en-US"/>
-          </a:p>
-        </p:txBody>
-      </p:sp>
-      <p:pic>
-        <p:nvPicPr>
-          <p:cNvPr id="7" name="Picture 6" descr="Diagram&#10;&#10;Description automatically generated">
-            <a:extLst>
-              <a:ext uri="{FF2B5EF4-FFF2-40B4-BE49-F238E27FC236}">
-                <a16:creationId xmlns:a16="http://schemas.microsoft.com/office/drawing/2014/main" id="{5F20332D-3F78-CD13-FC7C-69DF9BA8BFC6}"/>
-              </a:ext>
-            </a:extLst>
-          </p:cNvPr>
-          <p:cNvPicPr>
-            <a:picLocks noChangeAspect="1"/>
-          </p:cNvPicPr>
-          <p:nvPr/>
-        </p:nvPicPr>
-        <p:blipFill>
-          <a:blip r:embed="rId3">
-            <a:extLst>
-              <a:ext uri="{28A0092B-C50C-407E-A947-70E740481C1C}">
-                <a14:useLocalDpi xmlns:a14="http://schemas.microsoft.com/office/drawing/2010/main" val="0"/>
-              </a:ext>
-            </a:extLst>
-          </a:blip>
-          <a:stretch>
-            <a:fillRect/>
-          </a:stretch>
-        </p:blipFill>
-        <p:spPr>
-          <a:xfrm>
-            <a:off x="1386707" y="950356"/>
-            <a:ext cx="3057959" cy="5436371"/>
-          </a:xfrm>
-          <a:prstGeom prst="rect">
-            <a:avLst/>
-          </a:prstGeom>
-        </p:spPr>
-      </p:pic>
-      <p:sp>
-        <p:nvSpPr>
-          <p:cNvPr id="8" name="TextBox 7">
-            <a:extLst>
-              <a:ext uri="{FF2B5EF4-FFF2-40B4-BE49-F238E27FC236}">
-                <a16:creationId xmlns:a16="http://schemas.microsoft.com/office/drawing/2014/main" id="{C4225916-EDCE-4762-75AC-B3091E2A488D}"/>
-              </a:ext>
-            </a:extLst>
-          </p:cNvPr>
-          <p:cNvSpPr txBox="1"/>
-          <p:nvPr/>
-        </p:nvSpPr>
-        <p:spPr>
-          <a:xfrm>
-            <a:off x="396879" y="655458"/>
-            <a:ext cx="4208536" cy="4678204"/>
-          </a:xfrm>
-          <a:prstGeom prst="rect">
-            <a:avLst/>
-          </a:prstGeom>
-          <a:noFill/>
-        </p:spPr>
-        <p:txBody>
-          <a:bodyPr wrap="square" rtlCol="0">
-            <a:spAutoFit/>
-          </a:bodyPr>
-          <a:lstStyle/>
-          <a:p>
-            <a:r>
-              <a:rPr lang="en-GB" b="1" dirty="0">
-                <a:solidFill>
-                  <a:schemeClr val="accent5">
-                    <a:lumMod val="75000"/>
-                  </a:schemeClr>
-                </a:solidFill>
-              </a:rPr>
-              <a:t>My Dear Women,</a:t>
-            </a:r>
-          </a:p>
-          <a:p>
-            <a:r>
-              <a:rPr lang="en-GB" sz="1400" b="1" dirty="0"/>
-              <a:t>Thanks for </a:t>
-            </a:r>
-          </a:p>
-          <a:p>
-            <a:pPr marL="742950" lvl="1" indent="-285750">
-              <a:buFont typeface="Arial" panose="020B0604020202020204" pitchFamily="34" charset="0"/>
-              <a:buChar char="•"/>
-            </a:pPr>
-            <a:r>
-              <a:rPr lang="en-GB" sz="1400" b="1" dirty="0"/>
-              <a:t>The life you gave</a:t>
-            </a:r>
-          </a:p>
-          <a:p>
-            <a:pPr marL="742950" lvl="1" indent="-285750">
-              <a:buFont typeface="Arial" panose="020B0604020202020204" pitchFamily="34" charset="0"/>
-              <a:buChar char="•"/>
-            </a:pPr>
-            <a:r>
-              <a:rPr lang="en-GB" sz="1400" b="1" dirty="0"/>
-              <a:t>being there every time we fall</a:t>
-            </a:r>
-          </a:p>
-          <a:p>
-            <a:pPr marL="742950" lvl="1" indent="-285750">
-              <a:buFont typeface="Arial" panose="020B0604020202020204" pitchFamily="34" charset="0"/>
-              <a:buChar char="•"/>
-            </a:pPr>
-            <a:r>
-              <a:rPr lang="en-GB" sz="1400" b="1" dirty="0"/>
-              <a:t>taking care of us when we get sick</a:t>
-            </a:r>
-          </a:p>
-          <a:p>
-            <a:pPr marL="742950" lvl="1" indent="-285750">
-              <a:buFont typeface="Arial" panose="020B0604020202020204" pitchFamily="34" charset="0"/>
-              <a:buChar char="•"/>
-            </a:pPr>
-            <a:r>
-              <a:rPr lang="en-GB" sz="1400" b="1" dirty="0"/>
-              <a:t>feeding us all the time</a:t>
-            </a:r>
-          </a:p>
-          <a:p>
-            <a:pPr marL="742950" lvl="1" indent="-285750">
-              <a:buFont typeface="Arial" panose="020B0604020202020204" pitchFamily="34" charset="0"/>
-              <a:buChar char="•"/>
-            </a:pPr>
-            <a:r>
-              <a:rPr lang="en-GB" sz="1400" b="1" dirty="0"/>
-              <a:t>being our first love</a:t>
-            </a:r>
-          </a:p>
-          <a:p>
-            <a:pPr marL="742950" lvl="1" indent="-285750">
-              <a:buFont typeface="Arial" panose="020B0604020202020204" pitchFamily="34" charset="0"/>
-              <a:buChar char="•"/>
-            </a:pPr>
-            <a:r>
-              <a:rPr lang="en-GB" sz="1400" b="1" dirty="0"/>
-              <a:t>beautiful bedtime stories</a:t>
-            </a:r>
-          </a:p>
-          <a:p>
-            <a:pPr marL="742950" lvl="1" indent="-285750">
-              <a:buFont typeface="Arial" panose="020B0604020202020204" pitchFamily="34" charset="0"/>
-              <a:buChar char="•"/>
-            </a:pPr>
-            <a:r>
-              <a:rPr lang="en-GB" sz="1400" b="1" dirty="0"/>
-              <a:t>not giving up on every stage we fail</a:t>
-            </a:r>
-          </a:p>
-          <a:p>
-            <a:pPr marL="742950" lvl="1" indent="-285750">
-              <a:buFont typeface="Arial" panose="020B0604020202020204" pitchFamily="34" charset="0"/>
-              <a:buChar char="•"/>
-            </a:pPr>
-            <a:r>
-              <a:rPr lang="en-GB" sz="1400" b="1" dirty="0"/>
-              <a:t>unconditional and infinite love</a:t>
-            </a:r>
-          </a:p>
-          <a:p>
-            <a:endParaRPr lang="en-GB" sz="1400" b="1" dirty="0"/>
-          </a:p>
-          <a:p>
-            <a:r>
-              <a:rPr lang="en-GB" sz="1400" b="1" dirty="0"/>
-              <a:t>As a token of love, Please consider this </a:t>
-            </a:r>
-            <a:r>
-              <a:rPr lang="en-GB" sz="1400" b="1" dirty="0">
-                <a:solidFill>
-                  <a:schemeClr val="accent2">
-                    <a:lumMod val="75000"/>
-                  </a:schemeClr>
-                </a:solidFill>
-              </a:rPr>
-              <a:t>#WomenEmpowerment</a:t>
-            </a:r>
-            <a:r>
-              <a:rPr lang="en-GB" sz="1400" b="1" dirty="0"/>
-              <a:t> program from us</a:t>
-            </a:r>
-          </a:p>
-          <a:p>
-            <a:endParaRPr lang="en-GB" sz="1400" b="1" dirty="0"/>
-          </a:p>
-          <a:p>
-            <a:pPr marL="285750" indent="-285750">
-              <a:buFont typeface="Wingdings" panose="05000000000000000000" pitchFamily="2" charset="2"/>
-              <a:buChar char="v"/>
-            </a:pPr>
-            <a:r>
-              <a:rPr lang="en-GB" sz="1400" b="1" dirty="0"/>
-              <a:t>If you ever dreamt about having a career (or)</a:t>
-            </a:r>
-          </a:p>
-          <a:p>
-            <a:pPr marL="285750" indent="-285750">
-              <a:buFont typeface="Wingdings" panose="05000000000000000000" pitchFamily="2" charset="2"/>
-              <a:buChar char="v"/>
-            </a:pPr>
-            <a:r>
-              <a:rPr lang="en-GB" sz="1400" b="1" dirty="0"/>
-              <a:t>achieving your goals and ambitions (or)</a:t>
-            </a:r>
-          </a:p>
-          <a:p>
-            <a:pPr marL="285750" indent="-285750">
-              <a:buFont typeface="Wingdings" panose="05000000000000000000" pitchFamily="2" charset="2"/>
-              <a:buChar char="v"/>
-            </a:pPr>
-            <a:r>
-              <a:rPr lang="en-GB" sz="1400" b="1" dirty="0"/>
-              <a:t>a career comeback</a:t>
-            </a:r>
-          </a:p>
-          <a:p>
-            <a:endParaRPr lang="en-GB" sz="1400" b="1" dirty="0"/>
-          </a:p>
-          <a:p>
-            <a:r>
-              <a:rPr lang="en-GB" sz="1400" b="1" dirty="0"/>
-              <a:t>We are here to help you, Please register at      	</a:t>
-            </a:r>
-            <a:r>
-              <a:rPr lang="en-GB" sz="1400" b="1" dirty="0">
-                <a:hlinkClick r:id="rId4"/>
-              </a:rPr>
-              <a:t>https://forms.gle/du3QBHSf9h7iqxht7</a:t>
-            </a:r>
-            <a:endParaRPr lang="en-GB" sz="1400" b="1" dirty="0"/>
-          </a:p>
-          <a:p>
-            <a:r>
-              <a:rPr lang="en-GB" sz="1400" b="1" dirty="0"/>
-              <a:t>		or use QR code</a:t>
-            </a:r>
-          </a:p>
-        </p:txBody>
-      </p:sp>
-      <p:pic>
-        <p:nvPicPr>
-          <p:cNvPr id="11" name="Picture 10" descr="Logo, company name&#10;&#10;Description automatically generated">
-            <a:extLst>
-              <a:ext uri="{FF2B5EF4-FFF2-40B4-BE49-F238E27FC236}">
-                <a16:creationId xmlns:a16="http://schemas.microsoft.com/office/drawing/2014/main" id="{C1AF5CE7-0BDB-D45B-C5B2-AFB2C48E3A3A}"/>
-              </a:ext>
-            </a:extLst>
-          </p:cNvPr>
-          <p:cNvPicPr>
-            <a:picLocks noChangeAspect="1"/>
-          </p:cNvPicPr>
-          <p:nvPr/>
-        </p:nvPicPr>
-        <p:blipFill>
-          <a:blip r:embed="rId5">
-            <a:extLst>
-              <a:ext uri="{28A0092B-C50C-407E-A947-70E740481C1C}">
-                <a14:useLocalDpi xmlns:a14="http://schemas.microsoft.com/office/drawing/2010/main" val="0"/>
-              </a:ext>
-            </a:extLst>
-          </a:blip>
-          <a:stretch>
-            <a:fillRect/>
-          </a:stretch>
-        </p:blipFill>
-        <p:spPr>
-          <a:xfrm>
-            <a:off x="3293160" y="5534389"/>
-            <a:ext cx="1086510" cy="869208"/>
-          </a:xfrm>
-          <a:prstGeom prst="rect">
-            <a:avLst/>
-          </a:prstGeom>
-        </p:spPr>
-      </p:pic>
-      <p:pic>
-        <p:nvPicPr>
-          <p:cNvPr id="17" name="Picture 16" descr="Qr code&#10;&#10;Description automatically generated">
-            <a:extLst>
-              <a:ext uri="{FF2B5EF4-FFF2-40B4-BE49-F238E27FC236}">
-                <a16:creationId xmlns:a16="http://schemas.microsoft.com/office/drawing/2014/main" id="{EA4ADAE2-BEC1-2A44-E230-B4EF544B7DCC}"/>
-              </a:ext>
-            </a:extLst>
-          </p:cNvPr>
-          <p:cNvPicPr>
-            <a:picLocks noChangeAspect="1"/>
-          </p:cNvPicPr>
-          <p:nvPr/>
-        </p:nvPicPr>
-        <p:blipFill>
-          <a:blip r:embed="rId6">
-            <a:extLst>
-              <a:ext uri="{28A0092B-C50C-407E-A947-70E740481C1C}">
-                <a14:useLocalDpi xmlns:a14="http://schemas.microsoft.com/office/drawing/2010/main" val="0"/>
-              </a:ext>
-            </a:extLst>
-          </a:blip>
-          <a:stretch>
-            <a:fillRect/>
-          </a:stretch>
-        </p:blipFill>
-        <p:spPr>
-          <a:xfrm>
-            <a:off x="4682077" y="810711"/>
-            <a:ext cx="1154557" cy="1191157"/>
-          </a:xfrm>
-          <a:prstGeom prst="rect">
-            <a:avLst/>
-          </a:prstGeom>
-        </p:spPr>
-      </p:pic>
-      <p:sp>
-        <p:nvSpPr>
-          <p:cNvPr id="2" name="TextBox 1">
-            <a:extLst>
-              <a:ext uri="{FF2B5EF4-FFF2-40B4-BE49-F238E27FC236}">
-                <a16:creationId xmlns:a16="http://schemas.microsoft.com/office/drawing/2014/main" id="{36FFFA57-04CE-A7D4-8B55-9AE39F67BCCD}"/>
-              </a:ext>
-            </a:extLst>
-          </p:cNvPr>
-          <p:cNvSpPr txBox="1"/>
-          <p:nvPr/>
-        </p:nvSpPr>
-        <p:spPr>
-          <a:xfrm>
-            <a:off x="463721" y="5495666"/>
-            <a:ext cx="2368673" cy="738664"/>
-          </a:xfrm>
-          <a:prstGeom prst="rect">
-            <a:avLst/>
-          </a:prstGeom>
-          <a:noFill/>
-        </p:spPr>
-        <p:txBody>
-          <a:bodyPr wrap="square" rtlCol="0">
-            <a:spAutoFit/>
-          </a:bodyPr>
-          <a:lstStyle/>
-          <a:p>
-            <a:pPr algn="ctr"/>
-            <a:r>
-              <a:rPr lang="en-GB" sz="1400" b="1" dirty="0">
-                <a:solidFill>
-                  <a:srgbClr val="0070C0"/>
-                </a:solidFill>
-              </a:rPr>
-              <a:t>From</a:t>
-            </a:r>
-          </a:p>
-          <a:p>
-            <a:pPr algn="ctr"/>
-            <a:r>
-              <a:rPr lang="en-GB" sz="1400" b="1" dirty="0">
-                <a:solidFill>
-                  <a:srgbClr val="0070C0"/>
-                </a:solidFill>
-              </a:rPr>
-              <a:t> A son to a loveable mother</a:t>
-            </a:r>
-          </a:p>
-          <a:p>
-            <a:pPr algn="ctr"/>
-            <a:r>
-              <a:rPr lang="en-GB" sz="1400" b="1" dirty="0">
-                <a:solidFill>
-                  <a:srgbClr val="0070C0"/>
-                </a:solidFill>
-              </a:rPr>
-              <a:t> A brother to a loveable sister</a:t>
-            </a:r>
-          </a:p>
-        </p:txBody>
-      </p:sp>
-    </p:spTree>
-    <p:extLst>
-      <p:ext uri="{BB962C8B-B14F-4D97-AF65-F5344CB8AC3E}">
-        <p14:creationId xmlns:p14="http://schemas.microsoft.com/office/powerpoint/2010/main" val="4056604839"/>
-      </p:ext>
-    </p:extLst>
-  </p:cSld>
-  <p:clrMapOvr>
-    <a:masterClrMapping/>
-  </p:clrMapOvr>
-</p:sld>
-</file>
-
 <file path=ppt/theme/theme1.xml><?xml version="1.0" encoding="utf-8"?>
 <a:theme xmlns:a="http://schemas.openxmlformats.org/drawingml/2006/main" name="Office Theme">
   <a:themeElements>
